--- a/Project.pptx
+++ b/Project.pptx
@@ -224,7 +224,7 @@
           <a:p>
             <a:fld id="{7070C50C-F46C-8A4B-8A41-6A6FBB958D92}" type="datetimeFigureOut">
               <a:rPr lang="en-US" smtClean="0"/>
-              <a:t>12/3/21</a:t>
+              <a:t>12/5/2021</a:t>
             </a:fld>
             <a:endParaRPr lang="en-US"/>
           </a:p>
@@ -525,7 +525,7 @@
           <a:p>
             <a:fld id="{840601E4-3F87-485E-BCF1-0932C51EED9D}" type="datetimeFigureOut">
               <a:rPr lang="en-US" smtClean="0"/>
-              <a:t>12/3/21</a:t>
+              <a:t>12/5/2021</a:t>
             </a:fld>
             <a:endParaRPr lang="en-US"/>
           </a:p>
@@ -807,7 +807,7 @@
           <a:p>
             <a:fld id="{840601E4-3F87-485E-BCF1-0932C51EED9D}" type="datetimeFigureOut">
               <a:rPr lang="en-US" smtClean="0"/>
-              <a:t>12/3/21</a:t>
+              <a:t>12/5/2021</a:t>
             </a:fld>
             <a:endParaRPr lang="en-US"/>
           </a:p>
@@ -1146,7 +1146,7 @@
           <a:p>
             <a:fld id="{840601E4-3F87-485E-BCF1-0932C51EED9D}" type="datetimeFigureOut">
               <a:rPr lang="en-US" smtClean="0"/>
-              <a:t>12/3/21</a:t>
+              <a:t>12/5/2021</a:t>
             </a:fld>
             <a:endParaRPr lang="en-US"/>
           </a:p>
@@ -1446,7 +1446,7 @@
           <a:p>
             <a:fld id="{840601E4-3F87-485E-BCF1-0932C51EED9D}" type="datetimeFigureOut">
               <a:rPr lang="en-US" smtClean="0"/>
-              <a:t>12/3/21</a:t>
+              <a:t>12/5/2021</a:t>
             </a:fld>
             <a:endParaRPr lang="en-US"/>
           </a:p>
@@ -1806,7 +1806,7 @@
           <a:p>
             <a:fld id="{840601E4-3F87-485E-BCF1-0932C51EED9D}" type="datetimeFigureOut">
               <a:rPr lang="en-US" smtClean="0"/>
-              <a:t>12/3/21</a:t>
+              <a:t>12/5/2021</a:t>
             </a:fld>
             <a:endParaRPr lang="en-US"/>
           </a:p>
@@ -2160,7 +2160,7 @@
           <a:p>
             <a:fld id="{840601E4-3F87-485E-BCF1-0932C51EED9D}" type="datetimeFigureOut">
               <a:rPr lang="en-US" smtClean="0"/>
-              <a:t>12/3/21</a:t>
+              <a:t>12/5/2021</a:t>
             </a:fld>
             <a:endParaRPr lang="en-US"/>
           </a:p>
@@ -2413,7 +2413,7 @@
           <a:p>
             <a:fld id="{840601E4-3F87-485E-BCF1-0932C51EED9D}" type="datetimeFigureOut">
               <a:rPr lang="en-US" smtClean="0"/>
-              <a:t>12/3/21</a:t>
+              <a:t>12/5/2021</a:t>
             </a:fld>
             <a:endParaRPr lang="en-US"/>
           </a:p>
@@ -2797,7 +2797,7 @@
           <a:p>
             <a:fld id="{840601E4-3F87-485E-BCF1-0932C51EED9D}" type="datetimeFigureOut">
               <a:rPr lang="en-US" smtClean="0"/>
-              <a:t>12/3/21</a:t>
+              <a:t>12/5/2021</a:t>
             </a:fld>
             <a:endParaRPr lang="en-US"/>
           </a:p>
@@ -3369,7 +3369,7 @@
               <a:rPr lang="en-US" sz="2000" dirty="0">
                 <a:latin typeface="-apple-system"/>
               </a:rPr>
-              <a:t>Misclassification rate: 36%</a:t>
+              <a:t>Misclassification rate: 36.4%</a:t>
             </a:r>
           </a:p>
         </p:txBody>
@@ -3502,7 +3502,7 @@
               <a:rPr lang="en-US" sz="2000" dirty="0">
                 <a:latin typeface="-apple-system"/>
               </a:rPr>
-              <a:t>Misclassification rate: 35%</a:t>
+              <a:t>Misclassification rate: 35.18%</a:t>
             </a:r>
           </a:p>
         </p:txBody>
@@ -3687,10 +3687,10 @@
       </p:sp>
       <p:pic>
         <p:nvPicPr>
-          <p:cNvPr id="25" name="Picture 24">
+          <p:cNvPr id="26" name="Picture 25">
             <a:extLst>
               <a:ext uri="{FF2B5EF4-FFF2-40B4-BE49-F238E27FC236}">
-                <a16:creationId xmlns:a16="http://schemas.microsoft.com/office/drawing/2014/main" id="{AAEC69DF-328A-46DA-86DF-9EF2CCD25A3C}"/>
+                <a16:creationId xmlns:a16="http://schemas.microsoft.com/office/drawing/2014/main" id="{4ACFC445-4F3C-4470-B2DC-F366FBB00CD3}"/>
               </a:ext>
             </a:extLst>
           </p:cNvPr>
@@ -3707,8 +3707,8 @@
         </p:blipFill>
         <p:spPr>
           <a:xfrm>
-            <a:off x="5105400" y="2502454"/>
-            <a:ext cx="3737980" cy="1817305"/>
+            <a:off x="6148754" y="1885950"/>
+            <a:ext cx="1752752" cy="205758"/>
           </a:xfrm>
           <a:prstGeom prst="rect">
             <a:avLst/>
@@ -3717,32 +3717,49 @@
       </p:pic>
       <p:pic>
         <p:nvPicPr>
-          <p:cNvPr id="26" name="Picture 25">
+          <p:cNvPr id="2050" name="Picture 2">
             <a:extLst>
               <a:ext uri="{FF2B5EF4-FFF2-40B4-BE49-F238E27FC236}">
-                <a16:creationId xmlns:a16="http://schemas.microsoft.com/office/drawing/2014/main" id="{4ACFC445-4F3C-4470-B2DC-F366FBB00CD3}"/>
+                <a16:creationId xmlns:a16="http://schemas.microsoft.com/office/drawing/2014/main" id="{0D599617-BD26-48AB-A0AA-6A94392B9FB9}"/>
               </a:ext>
             </a:extLst>
           </p:cNvPr>
           <p:cNvPicPr>
-            <a:picLocks noChangeAspect="1"/>
+            <a:picLocks noChangeAspect="1" noChangeArrowheads="1"/>
           </p:cNvPicPr>
           <p:nvPr/>
         </p:nvPicPr>
         <p:blipFill>
-          <a:blip r:embed="rId3"/>
+          <a:blip r:embed="rId3">
+            <a:extLst>
+              <a:ext uri="{28A0092B-C50C-407E-A947-70E740481C1C}">
+                <a14:useLocalDpi xmlns:a14="http://schemas.microsoft.com/office/drawing/2010/main" val="0"/>
+              </a:ext>
+            </a:extLst>
+          </a:blip>
+          <a:srcRect/>
           <a:stretch>
             <a:fillRect/>
           </a:stretch>
         </p:blipFill>
-        <p:spPr>
+        <p:spPr bwMode="auto">
           <a:xfrm>
-            <a:off x="6453554" y="2190750"/>
-            <a:ext cx="1752752" cy="205758"/>
+            <a:off x="5105400" y="2091708"/>
+            <a:ext cx="3581400" cy="1939387"/>
           </a:xfrm>
           <a:prstGeom prst="rect">
             <a:avLst/>
           </a:prstGeom>
+          <a:noFill/>
+          <a:extLst>
+            <a:ext uri="{909E8E84-426E-40DD-AFC4-6F175D3DCCD1}">
+              <a14:hiddenFill xmlns:a14="http://schemas.microsoft.com/office/drawing/2010/main">
+                <a:solidFill>
+                  <a:srgbClr val="FFFFFF"/>
+                </a:solidFill>
+              </a14:hiddenFill>
+            </a:ext>
+          </a:extLst>
         </p:spPr>
       </p:pic>
     </p:spTree>
@@ -3787,36 +3804,6 @@
           <a:chExt cx="0" cy="0"/>
         </a:xfrm>
       </p:grpSpPr>
-      <p:pic>
-        <p:nvPicPr>
-          <p:cNvPr id="10" name="Picture 9">
-            <a:extLst>
-              <a:ext uri="{FF2B5EF4-FFF2-40B4-BE49-F238E27FC236}">
-                <a16:creationId xmlns:a16="http://schemas.microsoft.com/office/drawing/2014/main" id="{F642ED11-47E5-473F-85A1-A2325FEA1BED}"/>
-              </a:ext>
-            </a:extLst>
-          </p:cNvPr>
-          <p:cNvPicPr>
-            <a:picLocks noChangeAspect="1"/>
-          </p:cNvPicPr>
-          <p:nvPr/>
-        </p:nvPicPr>
-        <p:blipFill>
-          <a:blip r:embed="rId2"/>
-          <a:stretch>
-            <a:fillRect/>
-          </a:stretch>
-        </p:blipFill>
-        <p:spPr>
-          <a:xfrm>
-            <a:off x="4876800" y="2266950"/>
-            <a:ext cx="4027559" cy="1786224"/>
-          </a:xfrm>
-          <a:prstGeom prst="rect">
-            <a:avLst/>
-          </a:prstGeom>
-        </p:spPr>
-      </p:pic>
       <p:sp>
         <p:nvSpPr>
           <p:cNvPr id="8" name="TextBox 7">
@@ -3832,7 +3819,7 @@
         <p:spPr>
           <a:xfrm>
             <a:off x="457200" y="438150"/>
-            <a:ext cx="6019800" cy="3416320"/>
+            <a:ext cx="6019800" cy="3508653"/>
           </a:xfrm>
           <a:prstGeom prst="rect">
             <a:avLst/>
@@ -3857,13 +3844,13 @@
               </a:rPr>
             </a:br>
             <a:r>
-              <a:rPr lang="en-US" sz="2000" dirty="0">
+              <a:rPr lang="en-US" sz="2600" dirty="0">
                 <a:latin typeface="-apple-system"/>
               </a:rPr>
               <a:t>Architecture used: </a:t>
             </a:r>
             <a:br>
-              <a:rPr lang="en-US" sz="2000" dirty="0">
+              <a:rPr lang="en-US" sz="2600" dirty="0">
                 <a:latin typeface="-apple-system"/>
               </a:rPr>
             </a:br>
@@ -3993,6 +3980,53 @@
           </a:p>
         </p:txBody>
       </p:sp>
+      <p:pic>
+        <p:nvPicPr>
+          <p:cNvPr id="3074" name="Picture 2">
+            <a:extLst>
+              <a:ext uri="{FF2B5EF4-FFF2-40B4-BE49-F238E27FC236}">
+                <a16:creationId xmlns:a16="http://schemas.microsoft.com/office/drawing/2014/main" id="{D1394850-F855-49EA-A697-E62235D50009}"/>
+              </a:ext>
+            </a:extLst>
+          </p:cNvPr>
+          <p:cNvPicPr>
+            <a:picLocks noChangeAspect="1" noChangeArrowheads="1"/>
+          </p:cNvPicPr>
+          <p:nvPr/>
+        </p:nvPicPr>
+        <p:blipFill>
+          <a:blip r:embed="rId2">
+            <a:extLst>
+              <a:ext uri="{28A0092B-C50C-407E-A947-70E740481C1C}">
+                <a14:useLocalDpi xmlns:a14="http://schemas.microsoft.com/office/drawing/2010/main" val="0"/>
+              </a:ext>
+            </a:extLst>
+          </a:blip>
+          <a:srcRect/>
+          <a:stretch>
+            <a:fillRect/>
+          </a:stretch>
+        </p:blipFill>
+        <p:spPr bwMode="auto">
+          <a:xfrm>
+            <a:off x="5105400" y="2149972"/>
+            <a:ext cx="3810000" cy="1880886"/>
+          </a:xfrm>
+          <a:prstGeom prst="rect">
+            <a:avLst/>
+          </a:prstGeom>
+          <a:noFill/>
+          <a:extLst>
+            <a:ext uri="{909E8E84-426E-40DD-AFC4-6F175D3DCCD1}">
+              <a14:hiddenFill xmlns:a14="http://schemas.microsoft.com/office/drawing/2010/main">
+                <a:solidFill>
+                  <a:srgbClr val="FFFFFF"/>
+                </a:solidFill>
+              </a14:hiddenFill>
+            </a:ext>
+          </a:extLst>
+        </p:spPr>
+      </p:pic>
     </p:spTree>
     <p:extLst>
       <p:ext uri="{BB962C8B-B14F-4D97-AF65-F5344CB8AC3E}">
@@ -5906,7 +5940,7 @@
           <a:graphicData uri="http://schemas.openxmlformats.org/presentationml/2006/ole">
             <mc:AlternateContent xmlns:mc="http://schemas.openxmlformats.org/markup-compatibility/2006">
               <mc:Choice xmlns:v="urn:schemas-microsoft-com:vml" Requires="v">
-                <p:oleObj spid="_x0000_s1043" name="Bitmap Image" r:id="rId5" imgW="2865240" imgH="1996560" progId="Paint.Picture">
+                <p:oleObj spid="_x0000_s1049" name="Bitmap Image" r:id="rId5" imgW="2865240" imgH="1996560" progId="Paint.Picture">
                   <p:embed/>
                 </p:oleObj>
               </mc:Choice>
@@ -6103,7 +6137,7 @@
           <a:graphicData uri="http://schemas.openxmlformats.org/presentationml/2006/ole">
             <mc:AlternateContent xmlns:mc="http://schemas.openxmlformats.org/markup-compatibility/2006">
               <mc:Choice xmlns:v="urn:schemas-microsoft-com:vml" Requires="v">
-                <p:oleObj spid="_x0000_s1044" name="Bitmap Image" r:id="rId9" imgW="2865240" imgH="1996560" progId="Paint.Picture">
+                <p:oleObj spid="_x0000_s1050" name="Bitmap Image" r:id="rId9" imgW="2865240" imgH="1996560" progId="Paint.Picture">
                   <p:embed/>
                 </p:oleObj>
               </mc:Choice>
